--- a/docs/res/Java EE - Pertemuan 10.pptx
+++ b/docs/res/Java EE - Pertemuan 10.pptx
@@ -3785,7 +3785,7 @@
           <a:p>
             <a:r>
               <a:rPr lang="en-US"/>
-              <a:t>Mata Kuliah Java Lanjut - Pertemuan 9</a:t>
+              <a:t>Mata Kuliah Java Lanjut - Pertemuan 10</a:t>
             </a:r>
             <a:endParaRPr lang="en-US"/>
           </a:p>
@@ -3853,7 +3853,12 @@
         <p:txBody>
           <a:bodyPr/>
           <a:p>
-            <a:endParaRPr lang="en-US"/>
+            <a:pPr algn="r"/>
+            <a:r>
+              <a:rPr lang="en-US" sz="3600"/>
+              <a:t>Fase 1</a:t>
+            </a:r>
+            <a:endParaRPr lang="en-US" sz="3600"/>
           </a:p>
         </p:txBody>
       </p:sp>
@@ -3960,12 +3965,12 @@
             </a:pPr>
             <a:r>
               <a:rPr lang="en-US" altLang="en-US" sz="2400">
-                <a:hlinkClick r:id="rId1" tooltip="" action="ppaction://hlinkfile"/>
+                <a:hlinkClick r:id="rId1" action="ppaction://hlinkfile"/>
               </a:rPr>
               <a:t>https://github.com/ruang-belajar/java-ee/blob/master/latihan/project-1.md</a:t>
             </a:r>
             <a:endParaRPr lang="en-US" altLang="en-US" sz="2400">
-              <a:hlinkClick r:id="rId1" tooltip="" action="ppaction://hlinkfile"/>
+              <a:hlinkClick r:id="rId1" action="ppaction://hlinkfile"/>
             </a:endParaRPr>
           </a:p>
         </p:txBody>
